--- a/Лекции/ИТиП 3 лек 9.pptx
+++ b/Лекции/ИТиП 3 лек 9.pptx
@@ -5,7 +5,7 @@
     <p:sldMasterId id="2147483674" r:id="rId1"/>
   </p:sldMasterIdLst>
   <p:notesMasterIdLst>
-    <p:notesMasterId r:id="rId40"/>
+    <p:notesMasterId r:id="rId42"/>
   </p:notesMasterIdLst>
   <p:sldIdLst>
     <p:sldId id="273" r:id="rId2"/>
@@ -46,6 +46,8 @@
     <p:sldId id="1157" r:id="rId37"/>
     <p:sldId id="1158" r:id="rId38"/>
     <p:sldId id="1159" r:id="rId39"/>
+    <p:sldId id="1160" r:id="rId40"/>
+    <p:sldId id="1161" r:id="rId41"/>
   </p:sldIdLst>
   <p:sldSz cx="12192000" cy="6858000"/>
   <p:notesSz cx="6858000" cy="9144000"/>
@@ -261,7 +263,7 @@
             <a:fld id="{AA2F9473-F066-431E-A6E8-1D478C995A6B}" type="datetimeFigureOut">
               <a:rPr lang="en-US" smtClean="0"/>
               <a:pPr/>
-              <a:t>11/1/2025</a:t>
+              <a:t>11/5/2025</a:t>
             </a:fld>
             <a:endParaRPr lang="en-US"/>
           </a:p>
@@ -3410,6 +3412,96 @@
 </p:notes>
 </file>
 
+<file path=ppt/notesSlides/notesSlide39.xml><?xml version="1.0" encoding="utf-8"?>
+<p:notes xmlns:a="http://schemas.openxmlformats.org/drawingml/2006/main" xmlns:r="http://schemas.openxmlformats.org/officeDocument/2006/relationships" xmlns:p="http://schemas.openxmlformats.org/presentationml/2006/main">
+  <p:cSld>
+    <p:spTree>
+      <p:nvGrpSpPr>
+        <p:cNvPr id="1" name=""/>
+        <p:cNvGrpSpPr/>
+        <p:nvPr/>
+      </p:nvGrpSpPr>
+      <p:grpSpPr>
+        <a:xfrm>
+          <a:off x="0" y="0"/>
+          <a:ext cx="0" cy="0"/>
+          <a:chOff x="0" y="0"/>
+          <a:chExt cx="0" cy="0"/>
+        </a:xfrm>
+      </p:grpSpPr>
+      <p:sp>
+        <p:nvSpPr>
+          <p:cNvPr id="2" name="Образ слайда 1"/>
+          <p:cNvSpPr>
+            <a:spLocks noGrp="1" noRot="1" noChangeAspect="1"/>
+          </p:cNvSpPr>
+          <p:nvPr>
+            <p:ph type="sldImg"/>
+          </p:nvPr>
+        </p:nvSpPr>
+        <p:spPr>
+          <a:xfrm>
+            <a:off x="685800" y="1143000"/>
+            <a:ext cx="5486400" cy="3086100"/>
+          </a:xfrm>
+        </p:spPr>
+      </p:sp>
+      <p:sp>
+        <p:nvSpPr>
+          <p:cNvPr id="3" name="Заметки 2"/>
+          <p:cNvSpPr>
+            <a:spLocks noGrp="1"/>
+          </p:cNvSpPr>
+          <p:nvPr>
+            <p:ph type="body" idx="1"/>
+          </p:nvPr>
+        </p:nvSpPr>
+        <p:spPr/>
+        <p:txBody>
+          <a:bodyPr/>
+          <a:lstStyle/>
+          <a:p>
+            <a:endParaRPr lang="ru-RU"/>
+          </a:p>
+        </p:txBody>
+      </p:sp>
+      <p:sp>
+        <p:nvSpPr>
+          <p:cNvPr id="4" name="Номер слайда 3"/>
+          <p:cNvSpPr>
+            <a:spLocks noGrp="1"/>
+          </p:cNvSpPr>
+          <p:nvPr>
+            <p:ph type="sldNum" sz="quarter" idx="10"/>
+          </p:nvPr>
+        </p:nvSpPr>
+        <p:spPr/>
+        <p:txBody>
+          <a:bodyPr/>
+          <a:lstStyle/>
+          <a:p>
+            <a:fld id="{F0F4E2F1-1521-4C3A-A563-2F7D19AB6E0B}" type="slidenum">
+              <a:rPr lang="en-US" smtClean="0"/>
+              <a:pPr/>
+              <a:t>39</a:t>
+            </a:fld>
+            <a:endParaRPr lang="en-US"/>
+          </a:p>
+        </p:txBody>
+      </p:sp>
+    </p:spTree>
+    <p:extLst>
+      <p:ext uri="{BB962C8B-B14F-4D97-AF65-F5344CB8AC3E}">
+        <p14:creationId xmlns:p14="http://schemas.microsoft.com/office/powerpoint/2010/main" val="3029533345"/>
+      </p:ext>
+    </p:extLst>
+  </p:cSld>
+  <p:clrMapOvr>
+    <a:masterClrMapping/>
+  </p:clrMapOvr>
+</p:notes>
+</file>
+
 <file path=ppt/notesSlides/notesSlide4.xml><?xml version="1.0" encoding="utf-8"?>
 <p:notes xmlns:a="http://schemas.openxmlformats.org/drawingml/2006/main" xmlns:r="http://schemas.openxmlformats.org/officeDocument/2006/relationships" xmlns:p="http://schemas.openxmlformats.org/presentationml/2006/main">
   <p:cSld>
@@ -3491,6 +3583,96 @@
     <p:extLst>
       <p:ext uri="{BB962C8B-B14F-4D97-AF65-F5344CB8AC3E}">
         <p14:creationId xmlns:p14="http://schemas.microsoft.com/office/powerpoint/2010/main" val="3435612155"/>
+      </p:ext>
+    </p:extLst>
+  </p:cSld>
+  <p:clrMapOvr>
+    <a:masterClrMapping/>
+  </p:clrMapOvr>
+</p:notes>
+</file>
+
+<file path=ppt/notesSlides/notesSlide40.xml><?xml version="1.0" encoding="utf-8"?>
+<p:notes xmlns:a="http://schemas.openxmlformats.org/drawingml/2006/main" xmlns:r="http://schemas.openxmlformats.org/officeDocument/2006/relationships" xmlns:p="http://schemas.openxmlformats.org/presentationml/2006/main">
+  <p:cSld>
+    <p:spTree>
+      <p:nvGrpSpPr>
+        <p:cNvPr id="1" name=""/>
+        <p:cNvGrpSpPr/>
+        <p:nvPr/>
+      </p:nvGrpSpPr>
+      <p:grpSpPr>
+        <a:xfrm>
+          <a:off x="0" y="0"/>
+          <a:ext cx="0" cy="0"/>
+          <a:chOff x="0" y="0"/>
+          <a:chExt cx="0" cy="0"/>
+        </a:xfrm>
+      </p:grpSpPr>
+      <p:sp>
+        <p:nvSpPr>
+          <p:cNvPr id="2" name="Образ слайда 1"/>
+          <p:cNvSpPr>
+            <a:spLocks noGrp="1" noRot="1" noChangeAspect="1"/>
+          </p:cNvSpPr>
+          <p:nvPr>
+            <p:ph type="sldImg"/>
+          </p:nvPr>
+        </p:nvSpPr>
+        <p:spPr>
+          <a:xfrm>
+            <a:off x="685800" y="1143000"/>
+            <a:ext cx="5486400" cy="3086100"/>
+          </a:xfrm>
+        </p:spPr>
+      </p:sp>
+      <p:sp>
+        <p:nvSpPr>
+          <p:cNvPr id="3" name="Заметки 2"/>
+          <p:cNvSpPr>
+            <a:spLocks noGrp="1"/>
+          </p:cNvSpPr>
+          <p:nvPr>
+            <p:ph type="body" idx="1"/>
+          </p:nvPr>
+        </p:nvSpPr>
+        <p:spPr/>
+        <p:txBody>
+          <a:bodyPr/>
+          <a:lstStyle/>
+          <a:p>
+            <a:endParaRPr lang="ru-RU"/>
+          </a:p>
+        </p:txBody>
+      </p:sp>
+      <p:sp>
+        <p:nvSpPr>
+          <p:cNvPr id="4" name="Номер слайда 3"/>
+          <p:cNvSpPr>
+            <a:spLocks noGrp="1"/>
+          </p:cNvSpPr>
+          <p:nvPr>
+            <p:ph type="sldNum" sz="quarter" idx="10"/>
+          </p:nvPr>
+        </p:nvSpPr>
+        <p:spPr/>
+        <p:txBody>
+          <a:bodyPr/>
+          <a:lstStyle/>
+          <a:p>
+            <a:fld id="{F0F4E2F1-1521-4C3A-A563-2F7D19AB6E0B}" type="slidenum">
+              <a:rPr lang="en-US" smtClean="0"/>
+              <a:pPr/>
+              <a:t>40</a:t>
+            </a:fld>
+            <a:endParaRPr lang="en-US"/>
+          </a:p>
+        </p:txBody>
+      </p:sp>
+    </p:spTree>
+    <p:extLst>
+      <p:ext uri="{BB962C8B-B14F-4D97-AF65-F5344CB8AC3E}">
+        <p14:creationId xmlns:p14="http://schemas.microsoft.com/office/powerpoint/2010/main" val="4147384473"/>
       </p:ext>
     </p:extLst>
   </p:cSld>
@@ -4107,7 +4289,7 @@
           <p:cNvPr id="9" name="Номер слайда 3">
             <a:extLst>
               <a:ext uri="{FF2B5EF4-FFF2-40B4-BE49-F238E27FC236}">
-                <a16:creationId xmlns:a16="http://schemas.microsoft.com/office/drawing/2014/main" id="{3DF48714-7FE4-4364-BF9D-28B9C9E2979D}"/>
+                <a16:creationId xmlns:a16="http://schemas.microsoft.com/office/drawing/2014/main" xmlns="" id="{3DF48714-7FE4-4364-BF9D-28B9C9E2979D}"/>
               </a:ext>
             </a:extLst>
           </p:cNvPr>
@@ -4246,7 +4428,7 @@
           <p:cNvPr id="7" name="Номер слайда 3">
             <a:extLst>
               <a:ext uri="{FF2B5EF4-FFF2-40B4-BE49-F238E27FC236}">
-                <a16:creationId xmlns:a16="http://schemas.microsoft.com/office/drawing/2014/main" id="{3DF48714-7FE4-4364-BF9D-28B9C9E2979D}"/>
+                <a16:creationId xmlns:a16="http://schemas.microsoft.com/office/drawing/2014/main" xmlns="" id="{3DF48714-7FE4-4364-BF9D-28B9C9E2979D}"/>
               </a:ext>
             </a:extLst>
           </p:cNvPr>
@@ -4528,7 +4710,7 @@
           <p:cNvPr id="9" name="Номер слайда 3">
             <a:extLst>
               <a:ext uri="{FF2B5EF4-FFF2-40B4-BE49-F238E27FC236}">
-                <a16:creationId xmlns:a16="http://schemas.microsoft.com/office/drawing/2014/main" id="{3DF48714-7FE4-4364-BF9D-28B9C9E2979D}"/>
+                <a16:creationId xmlns:a16="http://schemas.microsoft.com/office/drawing/2014/main" xmlns="" id="{3DF48714-7FE4-4364-BF9D-28B9C9E2979D}"/>
               </a:ext>
             </a:extLst>
           </p:cNvPr>
@@ -4986,7 +5168,7 @@
           <p:cNvPr id="17" name="Заголовок 16">
             <a:extLst>
               <a:ext uri="{FF2B5EF4-FFF2-40B4-BE49-F238E27FC236}">
-                <a16:creationId xmlns:a16="http://schemas.microsoft.com/office/drawing/2014/main" id="{D630362D-1F09-46B4-9DE4-AEA483AC82FD}"/>
+                <a16:creationId xmlns:a16="http://schemas.microsoft.com/office/drawing/2014/main" xmlns="" id="{D630362D-1F09-46B4-9DE4-AEA483AC82FD}"/>
               </a:ext>
             </a:extLst>
           </p:cNvPr>
@@ -5149,7 +5331,7 @@
           <p:cNvPr id="12" name="TextBox 11">
             <a:extLst>
               <a:ext uri="{FF2B5EF4-FFF2-40B4-BE49-F238E27FC236}">
-                <a16:creationId xmlns:a16="http://schemas.microsoft.com/office/drawing/2014/main" id="{F7B00361-5492-4290-B470-295172C16526}"/>
+                <a16:creationId xmlns:a16="http://schemas.microsoft.com/office/drawing/2014/main" xmlns="" id="{F7B00361-5492-4290-B470-295172C16526}"/>
               </a:ext>
             </a:extLst>
           </p:cNvPr>
@@ -28726,6 +28908,472 @@
 </p:sld>
 </file>
 
+<file path=ppt/slides/slide39.xml><?xml version="1.0" encoding="utf-8"?>
+<p:sld xmlns:a="http://schemas.openxmlformats.org/drawingml/2006/main" xmlns:r="http://schemas.openxmlformats.org/officeDocument/2006/relationships" xmlns:p="http://schemas.openxmlformats.org/presentationml/2006/main">
+  <p:cSld>
+    <p:spTree>
+      <p:nvGrpSpPr>
+        <p:cNvPr id="1" name=""/>
+        <p:cNvGrpSpPr/>
+        <p:nvPr/>
+      </p:nvGrpSpPr>
+      <p:grpSpPr>
+        <a:xfrm>
+          <a:off x="0" y="0"/>
+          <a:ext cx="0" cy="0"/>
+          <a:chOff x="0" y="0"/>
+          <a:chExt cx="0" cy="0"/>
+        </a:xfrm>
+      </p:grpSpPr>
+      <p:sp>
+        <p:nvSpPr>
+          <p:cNvPr id="9" name="Прямоугольник 8"/>
+          <p:cNvSpPr/>
+          <p:nvPr/>
+        </p:nvSpPr>
+        <p:spPr>
+          <a:xfrm>
+            <a:off x="0" y="671691"/>
+            <a:ext cx="12192000" cy="4524315"/>
+          </a:xfrm>
+          <a:prstGeom prst="rect">
+            <a:avLst/>
+          </a:prstGeom>
+        </p:spPr>
+        <p:txBody>
+          <a:bodyPr wrap="square" lIns="360000">
+            <a:spAutoFit/>
+          </a:bodyPr>
+          <a:lstStyle/>
+          <a:p>
+            <a:pPr algn="just">
+              <a:lnSpc>
+                <a:spcPct val="150000"/>
+              </a:lnSpc>
+            </a:pPr>
+            <a:r>
+              <a:rPr lang="ru-RU" sz="2400" dirty="0" smtClean="0">
+                <a:latin typeface="Bookman Old Style" panose="02050604050505020204" pitchFamily="18" charset="0"/>
+              </a:rPr>
+              <a:t>Создадим команду для </a:t>
+            </a:r>
+            <a:r>
+              <a:rPr lang="ru-RU" sz="2400" smtClean="0">
+                <a:latin typeface="Bookman Old Style" panose="02050604050505020204" pitchFamily="18" charset="0"/>
+              </a:rPr>
+              <a:t>открытия окна.</a:t>
+            </a:r>
+          </a:p>
+          <a:p>
+            <a:pPr algn="just">
+              <a:lnSpc>
+                <a:spcPct val="150000"/>
+              </a:lnSpc>
+            </a:pPr>
+            <a:r>
+              <a:rPr lang="ru-RU" sz="2400" dirty="0" smtClean="0">
+                <a:latin typeface="Bookman Old Style" panose="02050604050505020204" pitchFamily="18" charset="0"/>
+              </a:rPr>
+              <a:t>Добавим в конструктор строку:</a:t>
+            </a:r>
+          </a:p>
+          <a:p>
+            <a:pPr algn="just">
+              <a:lnSpc>
+                <a:spcPct val="150000"/>
+              </a:lnSpc>
+            </a:pPr>
+            <a:endParaRPr lang="ru-RU" sz="2400" dirty="0">
+              <a:latin typeface="Bookman Old Style" panose="02050604050505020204" pitchFamily="18" charset="0"/>
+            </a:endParaRPr>
+          </a:p>
+          <a:p>
+            <a:pPr algn="just">
+              <a:lnSpc>
+                <a:spcPct val="150000"/>
+              </a:lnSpc>
+            </a:pPr>
+            <a:r>
+              <a:rPr lang="en-US" sz="2400" dirty="0" err="1">
+                <a:solidFill>
+                  <a:srgbClr val="000000"/>
+                </a:solidFill>
+                <a:highlight>
+                  <a:srgbClr val="FFFFFF"/>
+                </a:highlight>
+                <a:latin typeface="Cascadia Mono" panose="020B0609020000020004" pitchFamily="49" charset="0"/>
+              </a:rPr>
+              <a:t>WindowCommand</a:t>
+            </a:r>
+            <a:r>
+              <a:rPr lang="en-US" sz="2400" dirty="0">
+                <a:solidFill>
+                  <a:srgbClr val="000000"/>
+                </a:solidFill>
+                <a:highlight>
+                  <a:srgbClr val="FFFFFF"/>
+                </a:highlight>
+                <a:latin typeface="Cascadia Mono" panose="020B0609020000020004" pitchFamily="49" charset="0"/>
+              </a:rPr>
+              <a:t> = </a:t>
+            </a:r>
+            <a:r>
+              <a:rPr lang="en-US" sz="2400" dirty="0" err="1">
+                <a:solidFill>
+                  <a:srgbClr val="2B91AF"/>
+                </a:solidFill>
+                <a:highlight>
+                  <a:srgbClr val="FFFFFF"/>
+                </a:highlight>
+                <a:latin typeface="Cascadia Mono" panose="020B0609020000020004" pitchFamily="49" charset="0"/>
+              </a:rPr>
+              <a:t>ReactiveCommand</a:t>
+            </a:r>
+            <a:r>
+              <a:rPr lang="en-US" sz="2400" dirty="0" err="1">
+                <a:solidFill>
+                  <a:srgbClr val="000000"/>
+                </a:solidFill>
+                <a:highlight>
+                  <a:srgbClr val="FFFFFF"/>
+                </a:highlight>
+                <a:latin typeface="Cascadia Mono" panose="020B0609020000020004" pitchFamily="49" charset="0"/>
+              </a:rPr>
+              <a:t>.Create</a:t>
+            </a:r>
+            <a:r>
+              <a:rPr lang="en-US" sz="2400" dirty="0">
+                <a:solidFill>
+                  <a:srgbClr val="000000"/>
+                </a:solidFill>
+                <a:highlight>
+                  <a:srgbClr val="FFFFFF"/>
+                </a:highlight>
+                <a:latin typeface="Cascadia Mono" panose="020B0609020000020004" pitchFamily="49" charset="0"/>
+              </a:rPr>
+              <a:t>(</a:t>
+            </a:r>
+            <a:r>
+              <a:rPr lang="en-US" sz="2400" dirty="0" err="1">
+                <a:solidFill>
+                  <a:srgbClr val="000000"/>
+                </a:solidFill>
+                <a:highlight>
+                  <a:srgbClr val="FFFFFF"/>
+                </a:highlight>
+                <a:latin typeface="Cascadia Mono" panose="020B0609020000020004" pitchFamily="49" charset="0"/>
+              </a:rPr>
+              <a:t>OpenWindow</a:t>
+            </a:r>
+            <a:r>
+              <a:rPr lang="en-US" sz="2400" dirty="0" smtClean="0">
+                <a:solidFill>
+                  <a:srgbClr val="000000"/>
+                </a:solidFill>
+                <a:highlight>
+                  <a:srgbClr val="FFFFFF"/>
+                </a:highlight>
+                <a:latin typeface="Cascadia Mono" panose="020B0609020000020004" pitchFamily="49" charset="0"/>
+              </a:rPr>
+              <a:t>);</a:t>
+            </a:r>
+            <a:endParaRPr lang="ru-RU" sz="2400" dirty="0" smtClean="0">
+              <a:solidFill>
+                <a:srgbClr val="000000"/>
+              </a:solidFill>
+              <a:highlight>
+                <a:srgbClr val="FFFFFF"/>
+              </a:highlight>
+              <a:latin typeface="Cascadia Mono" panose="020B0609020000020004" pitchFamily="49" charset="0"/>
+            </a:endParaRPr>
+          </a:p>
+          <a:p>
+            <a:pPr algn="just">
+              <a:lnSpc>
+                <a:spcPct val="150000"/>
+              </a:lnSpc>
+            </a:pPr>
+            <a:endParaRPr lang="ru-RU" sz="2400" dirty="0" smtClean="0">
+              <a:latin typeface="Bookman Old Style" panose="02050604050505020204" pitchFamily="18" charset="0"/>
+            </a:endParaRPr>
+          </a:p>
+          <a:p>
+            <a:pPr algn="just">
+              <a:lnSpc>
+                <a:spcPct val="150000"/>
+              </a:lnSpc>
+            </a:pPr>
+            <a:r>
+              <a:rPr lang="ru-RU" sz="2400" dirty="0" smtClean="0">
+                <a:latin typeface="Bookman Old Style" panose="02050604050505020204" pitchFamily="18" charset="0"/>
+              </a:rPr>
+              <a:t>Добавим свойство:</a:t>
+            </a:r>
+          </a:p>
+          <a:p>
+            <a:pPr algn="just">
+              <a:lnSpc>
+                <a:spcPct val="150000"/>
+              </a:lnSpc>
+            </a:pPr>
+            <a:endParaRPr lang="ru-RU" sz="2400" dirty="0">
+              <a:latin typeface="Bookman Old Style" panose="02050604050505020204" pitchFamily="18" charset="0"/>
+            </a:endParaRPr>
+          </a:p>
+          <a:p>
+            <a:pPr algn="just">
+              <a:lnSpc>
+                <a:spcPct val="150000"/>
+              </a:lnSpc>
+            </a:pPr>
+            <a:r>
+              <a:rPr lang="en-US" sz="2400" dirty="0">
+                <a:solidFill>
+                  <a:srgbClr val="000000"/>
+                </a:solidFill>
+                <a:highlight>
+                  <a:srgbClr val="FFFFFF"/>
+                </a:highlight>
+                <a:latin typeface="Cascadia Mono" panose="020B0609020000020004" pitchFamily="49" charset="0"/>
+              </a:rPr>
+              <a:t> </a:t>
+            </a:r>
+            <a:r>
+              <a:rPr lang="en-US" sz="2400" dirty="0">
+                <a:solidFill>
+                  <a:srgbClr val="0000FF"/>
+                </a:solidFill>
+                <a:highlight>
+                  <a:srgbClr val="FFFFFF"/>
+                </a:highlight>
+                <a:latin typeface="Cascadia Mono" panose="020B0609020000020004" pitchFamily="49" charset="0"/>
+              </a:rPr>
+              <a:t>public</a:t>
+            </a:r>
+            <a:r>
+              <a:rPr lang="en-US" sz="2400" dirty="0">
+                <a:solidFill>
+                  <a:srgbClr val="000000"/>
+                </a:solidFill>
+                <a:highlight>
+                  <a:srgbClr val="FFFFFF"/>
+                </a:highlight>
+                <a:latin typeface="Cascadia Mono" panose="020B0609020000020004" pitchFamily="49" charset="0"/>
+              </a:rPr>
+              <a:t> </a:t>
+            </a:r>
+            <a:r>
+              <a:rPr lang="en-US" sz="2400" dirty="0" err="1">
+                <a:solidFill>
+                  <a:srgbClr val="2B91AF"/>
+                </a:solidFill>
+                <a:highlight>
+                  <a:srgbClr val="FFFFFF"/>
+                </a:highlight>
+                <a:latin typeface="Cascadia Mono" panose="020B0609020000020004" pitchFamily="49" charset="0"/>
+              </a:rPr>
+              <a:t>ReactiveCommand</a:t>
+            </a:r>
+            <a:r>
+              <a:rPr lang="en-US" sz="2400" dirty="0">
+                <a:solidFill>
+                  <a:srgbClr val="000000"/>
+                </a:solidFill>
+                <a:highlight>
+                  <a:srgbClr val="FFFFFF"/>
+                </a:highlight>
+                <a:latin typeface="Cascadia Mono" panose="020B0609020000020004" pitchFamily="49" charset="0"/>
+              </a:rPr>
+              <a:t>&lt;</a:t>
+            </a:r>
+            <a:r>
+              <a:rPr lang="en-US" sz="2400" dirty="0">
+                <a:solidFill>
+                  <a:srgbClr val="2B91AF"/>
+                </a:solidFill>
+                <a:highlight>
+                  <a:srgbClr val="FFFFFF"/>
+                </a:highlight>
+                <a:latin typeface="Cascadia Mono" panose="020B0609020000020004" pitchFamily="49" charset="0"/>
+              </a:rPr>
+              <a:t>Unit</a:t>
+            </a:r>
+            <a:r>
+              <a:rPr lang="en-US" sz="2400" dirty="0">
+                <a:solidFill>
+                  <a:srgbClr val="000000"/>
+                </a:solidFill>
+                <a:highlight>
+                  <a:srgbClr val="FFFFFF"/>
+                </a:highlight>
+                <a:latin typeface="Cascadia Mono" panose="020B0609020000020004" pitchFamily="49" charset="0"/>
+              </a:rPr>
+              <a:t>, </a:t>
+            </a:r>
+            <a:r>
+              <a:rPr lang="en-US" sz="2400" dirty="0">
+                <a:solidFill>
+                  <a:srgbClr val="2B91AF"/>
+                </a:solidFill>
+                <a:highlight>
+                  <a:srgbClr val="FFFFFF"/>
+                </a:highlight>
+                <a:latin typeface="Cascadia Mono" panose="020B0609020000020004" pitchFamily="49" charset="0"/>
+              </a:rPr>
+              <a:t>Unit</a:t>
+            </a:r>
+            <a:r>
+              <a:rPr lang="en-US" sz="2400" dirty="0">
+                <a:solidFill>
+                  <a:srgbClr val="000000"/>
+                </a:solidFill>
+                <a:highlight>
+                  <a:srgbClr val="FFFFFF"/>
+                </a:highlight>
+                <a:latin typeface="Cascadia Mono" panose="020B0609020000020004" pitchFamily="49" charset="0"/>
+              </a:rPr>
+              <a:t>&gt; </a:t>
+            </a:r>
+            <a:r>
+              <a:rPr lang="en-US" sz="2400" dirty="0" err="1">
+                <a:solidFill>
+                  <a:srgbClr val="000000"/>
+                </a:solidFill>
+                <a:highlight>
+                  <a:srgbClr val="FFFFFF"/>
+                </a:highlight>
+                <a:latin typeface="Cascadia Mono" panose="020B0609020000020004" pitchFamily="49" charset="0"/>
+              </a:rPr>
+              <a:t>WindowCommand</a:t>
+            </a:r>
+            <a:r>
+              <a:rPr lang="en-US" sz="2400" dirty="0">
+                <a:solidFill>
+                  <a:srgbClr val="000000"/>
+                </a:solidFill>
+                <a:highlight>
+                  <a:srgbClr val="FFFFFF"/>
+                </a:highlight>
+                <a:latin typeface="Cascadia Mono" panose="020B0609020000020004" pitchFamily="49" charset="0"/>
+              </a:rPr>
+              <a:t> { </a:t>
+            </a:r>
+            <a:r>
+              <a:rPr lang="en-US" sz="2400" dirty="0">
+                <a:solidFill>
+                  <a:srgbClr val="0000FF"/>
+                </a:solidFill>
+                <a:highlight>
+                  <a:srgbClr val="FFFFFF"/>
+                </a:highlight>
+                <a:latin typeface="Cascadia Mono" panose="020B0609020000020004" pitchFamily="49" charset="0"/>
+              </a:rPr>
+              <a:t>get</a:t>
+            </a:r>
+            <a:r>
+              <a:rPr lang="en-US" sz="2400" dirty="0">
+                <a:solidFill>
+                  <a:srgbClr val="000000"/>
+                </a:solidFill>
+                <a:highlight>
+                  <a:srgbClr val="FFFFFF"/>
+                </a:highlight>
+                <a:latin typeface="Cascadia Mono" panose="020B0609020000020004" pitchFamily="49" charset="0"/>
+              </a:rPr>
+              <a:t>; }</a:t>
+            </a:r>
+            <a:endParaRPr lang="ru-RU" sz="2400" dirty="0">
+              <a:latin typeface="Bookman Old Style" panose="02050604050505020204" pitchFamily="18" charset="0"/>
+            </a:endParaRPr>
+          </a:p>
+        </p:txBody>
+      </p:sp>
+      <p:sp>
+        <p:nvSpPr>
+          <p:cNvPr id="7" name="Rectangle 28" descr="Светлый диагональный 2"/>
+          <p:cNvSpPr>
+            <a:spLocks noChangeArrowheads="1"/>
+          </p:cNvSpPr>
+          <p:nvPr/>
+        </p:nvSpPr>
+        <p:spPr bwMode="auto">
+          <a:xfrm>
+            <a:off x="0" y="-1"/>
+            <a:ext cx="12192000" cy="654357"/>
+          </a:xfrm>
+          <a:prstGeom prst="rect">
+            <a:avLst/>
+          </a:prstGeom>
+          <a:pattFill prst="ltUpDiag">
+            <a:fgClr>
+              <a:schemeClr val="accent1">
+                <a:lumMod val="40000"/>
+                <a:lumOff val="60000"/>
+              </a:schemeClr>
+            </a:fgClr>
+            <a:bgClr>
+              <a:srgbClr val="FFFFFF"/>
+            </a:bgClr>
+          </a:pattFill>
+          <a:ln w="15875" algn="ctr">
+            <a:solidFill>
+              <a:schemeClr val="accent5">
+                <a:lumMod val="50000"/>
+              </a:schemeClr>
+            </a:solidFill>
+            <a:miter lim="800000"/>
+            <a:headEnd/>
+            <a:tailEnd/>
+          </a:ln>
+          <a:effectLst/>
+        </p:spPr>
+        <p:txBody>
+          <a:bodyPr vert="horz" wrap="square" lIns="18000" tIns="18000" rIns="18000" bIns="18000" numCol="1" anchor="ctr" anchorCtr="0" compatLnSpc="1">
+            <a:prstTxWarp prst="textNoShape">
+              <a:avLst/>
+            </a:prstTxWarp>
+          </a:bodyPr>
+          <a:lstStyle/>
+          <a:p>
+            <a:pPr algn="ctr"/>
+            <a:r>
+              <a:rPr lang="ru-RU" sz="2800" b="1" dirty="0" smtClean="0">
+                <a:solidFill>
+                  <a:srgbClr val="202122"/>
+                </a:solidFill>
+                <a:latin typeface="Bookman Old Style" panose="02050604050505020204" pitchFamily="18" charset="0"/>
+              </a:rPr>
+              <a:t>Открытие второстепенного окна</a:t>
+            </a:r>
+            <a:endParaRPr lang="ru-RU" sz="2800" b="1" dirty="0">
+              <a:solidFill>
+                <a:srgbClr val="202122"/>
+              </a:solidFill>
+              <a:latin typeface="Bookman Old Style" panose="02050604050505020204" pitchFamily="18" charset="0"/>
+            </a:endParaRPr>
+          </a:p>
+        </p:txBody>
+      </p:sp>
+    </p:spTree>
+    <p:extLst>
+      <p:ext uri="{BB962C8B-B14F-4D97-AF65-F5344CB8AC3E}">
+        <p14:creationId xmlns:p14="http://schemas.microsoft.com/office/powerpoint/2010/main" val="4124845996"/>
+      </p:ext>
+    </p:extLst>
+  </p:cSld>
+  <p:clrMapOvr>
+    <a:masterClrMapping/>
+  </p:clrMapOvr>
+  <p:timing>
+    <p:tnLst>
+      <p:par>
+        <p:cTn id="1" dur="indefinite" restart="never" nodeType="tmRoot"/>
+      </p:par>
+    </p:tnLst>
+  </p:timing>
+</p:sld>
+</file>
+
 <file path=ppt/slides/slide4.xml><?xml version="1.0" encoding="utf-8"?>
 <p:sld xmlns:a="http://schemas.openxmlformats.org/drawingml/2006/main" xmlns:r="http://schemas.openxmlformats.org/officeDocument/2006/relationships" xmlns:p="http://schemas.openxmlformats.org/presentationml/2006/main">
   <p:cSld>
@@ -29081,6 +29729,1069 @@
     <p:extLst>
       <p:ext uri="{BB962C8B-B14F-4D97-AF65-F5344CB8AC3E}">
         <p14:creationId xmlns:p14="http://schemas.microsoft.com/office/powerpoint/2010/main" val="796706042"/>
+      </p:ext>
+    </p:extLst>
+  </p:cSld>
+  <p:clrMapOvr>
+    <a:masterClrMapping/>
+  </p:clrMapOvr>
+  <p:timing>
+    <p:tnLst>
+      <p:par>
+        <p:cTn id="1" dur="indefinite" restart="never" nodeType="tmRoot"/>
+      </p:par>
+    </p:tnLst>
+  </p:timing>
+</p:sld>
+</file>
+
+<file path=ppt/slides/slide40.xml><?xml version="1.0" encoding="utf-8"?>
+<p:sld xmlns:a="http://schemas.openxmlformats.org/drawingml/2006/main" xmlns:r="http://schemas.openxmlformats.org/officeDocument/2006/relationships" xmlns:p="http://schemas.openxmlformats.org/presentationml/2006/main">
+  <p:cSld>
+    <p:spTree>
+      <p:nvGrpSpPr>
+        <p:cNvPr id="1" name=""/>
+        <p:cNvGrpSpPr/>
+        <p:nvPr/>
+      </p:nvGrpSpPr>
+      <p:grpSpPr>
+        <a:xfrm>
+          <a:off x="0" y="0"/>
+          <a:ext cx="0" cy="0"/>
+          <a:chOff x="0" y="0"/>
+          <a:chExt cx="0" cy="0"/>
+        </a:xfrm>
+      </p:grpSpPr>
+      <p:sp>
+        <p:nvSpPr>
+          <p:cNvPr id="9" name="Прямоугольник 8"/>
+          <p:cNvSpPr/>
+          <p:nvPr/>
+        </p:nvSpPr>
+        <p:spPr>
+          <a:xfrm>
+            <a:off x="0" y="0"/>
+            <a:ext cx="12192000" cy="6740307"/>
+          </a:xfrm>
+          <a:prstGeom prst="rect">
+            <a:avLst/>
+          </a:prstGeom>
+        </p:spPr>
+        <p:txBody>
+          <a:bodyPr wrap="square" lIns="360000">
+            <a:spAutoFit/>
+          </a:bodyPr>
+          <a:lstStyle/>
+          <a:p>
+            <a:pPr algn="just">
+              <a:lnSpc>
+                <a:spcPct val="150000"/>
+              </a:lnSpc>
+            </a:pPr>
+            <a:r>
+              <a:rPr lang="ru-RU" sz="2400" dirty="0" smtClean="0">
+                <a:latin typeface="Bookman Old Style" panose="02050604050505020204" pitchFamily="18" charset="0"/>
+              </a:rPr>
+              <a:t>Добавим в конструктор строку:</a:t>
+            </a:r>
+          </a:p>
+          <a:p>
+            <a:pPr algn="just">
+              <a:lnSpc>
+                <a:spcPct val="150000"/>
+              </a:lnSpc>
+            </a:pPr>
+            <a:endParaRPr lang="ru-RU" sz="2400" dirty="0">
+              <a:latin typeface="Bookman Old Style" panose="02050604050505020204" pitchFamily="18" charset="0"/>
+            </a:endParaRPr>
+          </a:p>
+          <a:p>
+            <a:r>
+              <a:rPr lang="en-US" sz="2000" dirty="0" smtClean="0">
+                <a:solidFill>
+                  <a:srgbClr val="0000FF"/>
+                </a:solidFill>
+                <a:highlight>
+                  <a:srgbClr val="FFFFFF"/>
+                </a:highlight>
+                <a:latin typeface="Cascadia Mono" panose="020B0609020000020004" pitchFamily="49" charset="0"/>
+              </a:rPr>
+              <a:t>private</a:t>
+            </a:r>
+            <a:r>
+              <a:rPr lang="en-US" sz="2000" dirty="0" smtClean="0">
+                <a:solidFill>
+                  <a:srgbClr val="000000"/>
+                </a:solidFill>
+                <a:highlight>
+                  <a:srgbClr val="FFFFFF"/>
+                </a:highlight>
+                <a:latin typeface="Cascadia Mono" panose="020B0609020000020004" pitchFamily="49" charset="0"/>
+              </a:rPr>
+              <a:t> </a:t>
+            </a:r>
+            <a:r>
+              <a:rPr lang="en-US" sz="2000" dirty="0">
+                <a:solidFill>
+                  <a:srgbClr val="0000FF"/>
+                </a:solidFill>
+                <a:highlight>
+                  <a:srgbClr val="FFFFFF"/>
+                </a:highlight>
+                <a:latin typeface="Cascadia Mono" panose="020B0609020000020004" pitchFamily="49" charset="0"/>
+              </a:rPr>
+              <a:t>void</a:t>
+            </a:r>
+            <a:r>
+              <a:rPr lang="en-US" sz="2000" dirty="0">
+                <a:solidFill>
+                  <a:srgbClr val="000000"/>
+                </a:solidFill>
+                <a:highlight>
+                  <a:srgbClr val="FFFFFF"/>
+                </a:highlight>
+                <a:latin typeface="Cascadia Mono" panose="020B0609020000020004" pitchFamily="49" charset="0"/>
+              </a:rPr>
+              <a:t> </a:t>
+            </a:r>
+            <a:r>
+              <a:rPr lang="en-US" sz="2000" dirty="0" err="1">
+                <a:solidFill>
+                  <a:srgbClr val="000000"/>
+                </a:solidFill>
+                <a:highlight>
+                  <a:srgbClr val="FFFFFF"/>
+                </a:highlight>
+                <a:latin typeface="Cascadia Mono" panose="020B0609020000020004" pitchFamily="49" charset="0"/>
+              </a:rPr>
+              <a:t>OpenWindow</a:t>
+            </a:r>
+            <a:r>
+              <a:rPr lang="en-US" sz="2000" dirty="0">
+                <a:solidFill>
+                  <a:srgbClr val="000000"/>
+                </a:solidFill>
+                <a:highlight>
+                  <a:srgbClr val="FFFFFF"/>
+                </a:highlight>
+                <a:latin typeface="Cascadia Mono" panose="020B0609020000020004" pitchFamily="49" charset="0"/>
+              </a:rPr>
+              <a:t>()</a:t>
+            </a:r>
+          </a:p>
+          <a:p>
+            <a:r>
+              <a:rPr lang="ru-RU" sz="2000" dirty="0" smtClean="0">
+                <a:solidFill>
+                  <a:srgbClr val="000000"/>
+                </a:solidFill>
+                <a:highlight>
+                  <a:srgbClr val="FFFFFF"/>
+                </a:highlight>
+                <a:latin typeface="Cascadia Mono" panose="020B0609020000020004" pitchFamily="49" charset="0"/>
+              </a:rPr>
+              <a:t>{</a:t>
+            </a:r>
+            <a:endParaRPr lang="ru-RU" sz="2000" dirty="0">
+              <a:solidFill>
+                <a:srgbClr val="000000"/>
+              </a:solidFill>
+              <a:highlight>
+                <a:srgbClr val="FFFFFF"/>
+              </a:highlight>
+              <a:latin typeface="Cascadia Mono" panose="020B0609020000020004" pitchFamily="49" charset="0"/>
+            </a:endParaRPr>
+          </a:p>
+          <a:p>
+            <a:r>
+              <a:rPr lang="ru-RU" sz="2000" dirty="0" smtClean="0">
+                <a:solidFill>
+                  <a:srgbClr val="0000FF"/>
+                </a:solidFill>
+                <a:highlight>
+                  <a:srgbClr val="FFFFFF"/>
+                </a:highlight>
+                <a:latin typeface="Cascadia Mono" panose="020B0609020000020004" pitchFamily="49" charset="0"/>
+              </a:rPr>
+              <a:t>	</a:t>
+            </a:r>
+            <a:r>
+              <a:rPr lang="en-US" sz="2000" dirty="0" err="1" smtClean="0">
+                <a:solidFill>
+                  <a:srgbClr val="0000FF"/>
+                </a:solidFill>
+                <a:highlight>
+                  <a:srgbClr val="FFFFFF"/>
+                </a:highlight>
+                <a:latin typeface="Cascadia Mono" panose="020B0609020000020004" pitchFamily="49" charset="0"/>
+              </a:rPr>
+              <a:t>var</a:t>
+            </a:r>
+            <a:r>
+              <a:rPr lang="en-US" sz="2000" dirty="0" smtClean="0">
+                <a:solidFill>
+                  <a:srgbClr val="000000"/>
+                </a:solidFill>
+                <a:highlight>
+                  <a:srgbClr val="FFFFFF"/>
+                </a:highlight>
+                <a:latin typeface="Cascadia Mono" panose="020B0609020000020004" pitchFamily="49" charset="0"/>
+              </a:rPr>
+              <a:t> </a:t>
+            </a:r>
+            <a:r>
+              <a:rPr lang="en-US" sz="2000" dirty="0" err="1">
+                <a:solidFill>
+                  <a:srgbClr val="000000"/>
+                </a:solidFill>
+                <a:highlight>
+                  <a:srgbClr val="FFFFFF"/>
+                </a:highlight>
+                <a:latin typeface="Cascadia Mono" panose="020B0609020000020004" pitchFamily="49" charset="0"/>
+              </a:rPr>
+              <a:t>vm</a:t>
+            </a:r>
+            <a:r>
+              <a:rPr lang="en-US" sz="2000" dirty="0">
+                <a:solidFill>
+                  <a:srgbClr val="000000"/>
+                </a:solidFill>
+                <a:highlight>
+                  <a:srgbClr val="FFFFFF"/>
+                </a:highlight>
+                <a:latin typeface="Cascadia Mono" panose="020B0609020000020004" pitchFamily="49" charset="0"/>
+              </a:rPr>
+              <a:t> = </a:t>
+            </a:r>
+            <a:r>
+              <a:rPr lang="en-US" sz="2000" dirty="0">
+                <a:solidFill>
+                  <a:srgbClr val="0000FF"/>
+                </a:solidFill>
+                <a:highlight>
+                  <a:srgbClr val="FFFFFF"/>
+                </a:highlight>
+                <a:latin typeface="Cascadia Mono" panose="020B0609020000020004" pitchFamily="49" charset="0"/>
+              </a:rPr>
+              <a:t>new</a:t>
+            </a:r>
+            <a:r>
+              <a:rPr lang="en-US" sz="2000" dirty="0">
+                <a:solidFill>
+                  <a:srgbClr val="000000"/>
+                </a:solidFill>
+                <a:highlight>
+                  <a:srgbClr val="FFFFFF"/>
+                </a:highlight>
+                <a:latin typeface="Cascadia Mono" panose="020B0609020000020004" pitchFamily="49" charset="0"/>
+              </a:rPr>
+              <a:t> </a:t>
+            </a:r>
+            <a:r>
+              <a:rPr lang="en-US" sz="2000" dirty="0" err="1">
+                <a:solidFill>
+                  <a:srgbClr val="2B91AF"/>
+                </a:solidFill>
+                <a:highlight>
+                  <a:srgbClr val="FFFFFF"/>
+                </a:highlight>
+                <a:latin typeface="Cascadia Mono" panose="020B0609020000020004" pitchFamily="49" charset="0"/>
+              </a:rPr>
+              <a:t>SecondWindowViewModel</a:t>
+            </a:r>
+            <a:r>
+              <a:rPr lang="en-US" sz="2000" dirty="0">
+                <a:solidFill>
+                  <a:srgbClr val="000000"/>
+                </a:solidFill>
+                <a:highlight>
+                  <a:srgbClr val="FFFFFF"/>
+                </a:highlight>
+                <a:latin typeface="Cascadia Mono" panose="020B0609020000020004" pitchFamily="49" charset="0"/>
+              </a:rPr>
+              <a:t>();</a:t>
+            </a:r>
+          </a:p>
+          <a:p>
+            <a:endParaRPr lang="ru-RU" sz="2000" dirty="0">
+              <a:solidFill>
+                <a:srgbClr val="000000"/>
+              </a:solidFill>
+              <a:highlight>
+                <a:srgbClr val="FFFFFF"/>
+              </a:highlight>
+              <a:latin typeface="Cascadia Mono" panose="020B0609020000020004" pitchFamily="49" charset="0"/>
+            </a:endParaRPr>
+          </a:p>
+          <a:p>
+            <a:r>
+              <a:rPr lang="ru-RU" sz="2000" dirty="0" smtClean="0">
+                <a:solidFill>
+                  <a:srgbClr val="0000FF"/>
+                </a:solidFill>
+                <a:highlight>
+                  <a:srgbClr val="FFFFFF"/>
+                </a:highlight>
+                <a:latin typeface="Cascadia Mono" panose="020B0609020000020004" pitchFamily="49" charset="0"/>
+              </a:rPr>
+              <a:t>	</a:t>
+            </a:r>
+            <a:r>
+              <a:rPr lang="en-US" sz="2000" dirty="0" err="1" smtClean="0">
+                <a:solidFill>
+                  <a:srgbClr val="0000FF"/>
+                </a:solidFill>
+                <a:highlight>
+                  <a:srgbClr val="FFFFFF"/>
+                </a:highlight>
+                <a:latin typeface="Cascadia Mono" panose="020B0609020000020004" pitchFamily="49" charset="0"/>
+              </a:rPr>
+              <a:t>var</a:t>
+            </a:r>
+            <a:r>
+              <a:rPr lang="en-US" sz="2000" dirty="0" smtClean="0">
+                <a:solidFill>
+                  <a:srgbClr val="000000"/>
+                </a:solidFill>
+                <a:highlight>
+                  <a:srgbClr val="FFFFFF"/>
+                </a:highlight>
+                <a:latin typeface="Cascadia Mono" panose="020B0609020000020004" pitchFamily="49" charset="0"/>
+              </a:rPr>
+              <a:t> </a:t>
+            </a:r>
+            <a:r>
+              <a:rPr lang="en-US" sz="2000" dirty="0">
+                <a:solidFill>
+                  <a:srgbClr val="000000"/>
+                </a:solidFill>
+                <a:highlight>
+                  <a:srgbClr val="FFFFFF"/>
+                </a:highlight>
+                <a:latin typeface="Cascadia Mono" panose="020B0609020000020004" pitchFamily="49" charset="0"/>
+              </a:rPr>
+              <a:t>view = </a:t>
+            </a:r>
+            <a:r>
+              <a:rPr lang="en-US" sz="2000" dirty="0">
+                <a:solidFill>
+                  <a:srgbClr val="0000FF"/>
+                </a:solidFill>
+                <a:highlight>
+                  <a:srgbClr val="FFFFFF"/>
+                </a:highlight>
+                <a:latin typeface="Cascadia Mono" panose="020B0609020000020004" pitchFamily="49" charset="0"/>
+              </a:rPr>
+              <a:t>new</a:t>
+            </a:r>
+            <a:r>
+              <a:rPr lang="en-US" sz="2000" dirty="0">
+                <a:solidFill>
+                  <a:srgbClr val="000000"/>
+                </a:solidFill>
+                <a:highlight>
+                  <a:srgbClr val="FFFFFF"/>
+                </a:highlight>
+                <a:latin typeface="Cascadia Mono" panose="020B0609020000020004" pitchFamily="49" charset="0"/>
+              </a:rPr>
+              <a:t> </a:t>
+            </a:r>
+            <a:r>
+              <a:rPr lang="en-US" sz="2000" dirty="0" err="1">
+                <a:solidFill>
+                  <a:srgbClr val="2B91AF"/>
+                </a:solidFill>
+                <a:highlight>
+                  <a:srgbClr val="FFFFFF"/>
+                </a:highlight>
+                <a:latin typeface="Cascadia Mono" panose="020B0609020000020004" pitchFamily="49" charset="0"/>
+              </a:rPr>
+              <a:t>SecondWindow</a:t>
+            </a:r>
+            <a:endParaRPr lang="en-US" sz="2000" dirty="0">
+              <a:solidFill>
+                <a:srgbClr val="000000"/>
+              </a:solidFill>
+              <a:highlight>
+                <a:srgbClr val="FFFFFF"/>
+              </a:highlight>
+              <a:latin typeface="Cascadia Mono" panose="020B0609020000020004" pitchFamily="49" charset="0"/>
+            </a:endParaRPr>
+          </a:p>
+          <a:p>
+            <a:r>
+              <a:rPr lang="ru-RU" sz="2000" dirty="0" smtClean="0">
+                <a:solidFill>
+                  <a:srgbClr val="000000"/>
+                </a:solidFill>
+                <a:highlight>
+                  <a:srgbClr val="FFFFFF"/>
+                </a:highlight>
+                <a:latin typeface="Cascadia Mono" panose="020B0609020000020004" pitchFamily="49" charset="0"/>
+              </a:rPr>
+              <a:t>	{</a:t>
+            </a:r>
+            <a:endParaRPr lang="ru-RU" sz="2000" dirty="0">
+              <a:solidFill>
+                <a:srgbClr val="000000"/>
+              </a:solidFill>
+              <a:highlight>
+                <a:srgbClr val="FFFFFF"/>
+              </a:highlight>
+              <a:latin typeface="Cascadia Mono" panose="020B0609020000020004" pitchFamily="49" charset="0"/>
+            </a:endParaRPr>
+          </a:p>
+          <a:p>
+            <a:r>
+              <a:rPr lang="ru-RU" sz="2000" dirty="0" smtClean="0">
+                <a:solidFill>
+                  <a:srgbClr val="000000"/>
+                </a:solidFill>
+                <a:highlight>
+                  <a:srgbClr val="FFFFFF"/>
+                </a:highlight>
+                <a:latin typeface="Cascadia Mono" panose="020B0609020000020004" pitchFamily="49" charset="0"/>
+              </a:rPr>
+              <a:t>		</a:t>
+            </a:r>
+            <a:r>
+              <a:rPr lang="en-US" sz="2000" dirty="0" err="1" smtClean="0">
+                <a:solidFill>
+                  <a:srgbClr val="000000"/>
+                </a:solidFill>
+                <a:highlight>
+                  <a:srgbClr val="FFFFFF"/>
+                </a:highlight>
+                <a:latin typeface="Cascadia Mono" panose="020B0609020000020004" pitchFamily="49" charset="0"/>
+              </a:rPr>
+              <a:t>DataContext</a:t>
+            </a:r>
+            <a:r>
+              <a:rPr lang="en-US" sz="2000" dirty="0" smtClean="0">
+                <a:solidFill>
+                  <a:srgbClr val="000000"/>
+                </a:solidFill>
+                <a:highlight>
+                  <a:srgbClr val="FFFFFF"/>
+                </a:highlight>
+                <a:latin typeface="Cascadia Mono" panose="020B0609020000020004" pitchFamily="49" charset="0"/>
+              </a:rPr>
+              <a:t> </a:t>
+            </a:r>
+            <a:r>
+              <a:rPr lang="en-US" sz="2000" dirty="0">
+                <a:solidFill>
+                  <a:srgbClr val="000000"/>
+                </a:solidFill>
+                <a:highlight>
+                  <a:srgbClr val="FFFFFF"/>
+                </a:highlight>
+                <a:latin typeface="Cascadia Mono" panose="020B0609020000020004" pitchFamily="49" charset="0"/>
+              </a:rPr>
+              <a:t>= </a:t>
+            </a:r>
+            <a:r>
+              <a:rPr lang="en-US" sz="2000" dirty="0" err="1">
+                <a:solidFill>
+                  <a:srgbClr val="000000"/>
+                </a:solidFill>
+                <a:highlight>
+                  <a:srgbClr val="FFFFFF"/>
+                </a:highlight>
+                <a:latin typeface="Cascadia Mono" panose="020B0609020000020004" pitchFamily="49" charset="0"/>
+              </a:rPr>
+              <a:t>vm</a:t>
+            </a:r>
+            <a:endParaRPr lang="en-US" sz="2000" dirty="0">
+              <a:solidFill>
+                <a:srgbClr val="000000"/>
+              </a:solidFill>
+              <a:highlight>
+                <a:srgbClr val="FFFFFF"/>
+              </a:highlight>
+              <a:latin typeface="Cascadia Mono" panose="020B0609020000020004" pitchFamily="49" charset="0"/>
+            </a:endParaRPr>
+          </a:p>
+          <a:p>
+            <a:r>
+              <a:rPr lang="ru-RU" sz="2000" dirty="0" smtClean="0">
+                <a:solidFill>
+                  <a:srgbClr val="000000"/>
+                </a:solidFill>
+                <a:highlight>
+                  <a:srgbClr val="FFFFFF"/>
+                </a:highlight>
+                <a:latin typeface="Cascadia Mono" panose="020B0609020000020004" pitchFamily="49" charset="0"/>
+              </a:rPr>
+              <a:t>	};</a:t>
+            </a:r>
+            <a:endParaRPr lang="ru-RU" sz="2000" dirty="0">
+              <a:solidFill>
+                <a:srgbClr val="000000"/>
+              </a:solidFill>
+              <a:highlight>
+                <a:srgbClr val="FFFFFF"/>
+              </a:highlight>
+              <a:latin typeface="Cascadia Mono" panose="020B0609020000020004" pitchFamily="49" charset="0"/>
+            </a:endParaRPr>
+          </a:p>
+          <a:p>
+            <a:endParaRPr lang="ru-RU" sz="2000" dirty="0">
+              <a:solidFill>
+                <a:srgbClr val="000000"/>
+              </a:solidFill>
+              <a:highlight>
+                <a:srgbClr val="FFFFFF"/>
+              </a:highlight>
+              <a:latin typeface="Cascadia Mono" panose="020B0609020000020004" pitchFamily="49" charset="0"/>
+            </a:endParaRPr>
+          </a:p>
+          <a:p>
+            <a:r>
+              <a:rPr lang="ru-RU" sz="2000" dirty="0" smtClean="0">
+                <a:solidFill>
+                  <a:srgbClr val="0000FF"/>
+                </a:solidFill>
+                <a:highlight>
+                  <a:srgbClr val="FFFFFF"/>
+                </a:highlight>
+                <a:latin typeface="Cascadia Mono" panose="020B0609020000020004" pitchFamily="49" charset="0"/>
+              </a:rPr>
+              <a:t>	</a:t>
+            </a:r>
+            <a:r>
+              <a:rPr lang="en-US" sz="2000" dirty="0" err="1" smtClean="0">
+                <a:solidFill>
+                  <a:srgbClr val="0000FF"/>
+                </a:solidFill>
+                <a:highlight>
+                  <a:srgbClr val="FFFFFF"/>
+                </a:highlight>
+                <a:latin typeface="Cascadia Mono" panose="020B0609020000020004" pitchFamily="49" charset="0"/>
+              </a:rPr>
+              <a:t>var</a:t>
+            </a:r>
+            <a:r>
+              <a:rPr lang="en-US" sz="2000" dirty="0" smtClean="0">
+                <a:solidFill>
+                  <a:srgbClr val="000000"/>
+                </a:solidFill>
+                <a:highlight>
+                  <a:srgbClr val="FFFFFF"/>
+                </a:highlight>
+                <a:latin typeface="Cascadia Mono" panose="020B0609020000020004" pitchFamily="49" charset="0"/>
+              </a:rPr>
+              <a:t> </a:t>
+            </a:r>
+            <a:r>
+              <a:rPr lang="en-US" sz="2000" dirty="0">
+                <a:solidFill>
+                  <a:srgbClr val="000000"/>
+                </a:solidFill>
+                <a:highlight>
+                  <a:srgbClr val="FFFFFF"/>
+                </a:highlight>
+                <a:latin typeface="Cascadia Mono" panose="020B0609020000020004" pitchFamily="49" charset="0"/>
+              </a:rPr>
+              <a:t>parent = Avalonia.</a:t>
+            </a:r>
+            <a:r>
+              <a:rPr lang="en-US" sz="2000" dirty="0">
+                <a:solidFill>
+                  <a:srgbClr val="2B91AF"/>
+                </a:solidFill>
+                <a:highlight>
+                  <a:srgbClr val="FFFFFF"/>
+                </a:highlight>
+                <a:latin typeface="Cascadia Mono" panose="020B0609020000020004" pitchFamily="49" charset="0"/>
+              </a:rPr>
+              <a:t>Application</a:t>
+            </a:r>
+            <a:r>
+              <a:rPr lang="en-US" sz="2000" dirty="0">
+                <a:solidFill>
+                  <a:srgbClr val="000000"/>
+                </a:solidFill>
+                <a:highlight>
+                  <a:srgbClr val="FFFFFF"/>
+                </a:highlight>
+                <a:latin typeface="Cascadia Mono" panose="020B0609020000020004" pitchFamily="49" charset="0"/>
+              </a:rPr>
+              <a:t>.Current?.</a:t>
+            </a:r>
+            <a:r>
+              <a:rPr lang="en-US" sz="2000" dirty="0" err="1" smtClean="0">
+                <a:solidFill>
+                  <a:srgbClr val="000000"/>
+                </a:solidFill>
+                <a:highlight>
+                  <a:srgbClr val="FFFFFF"/>
+                </a:highlight>
+                <a:latin typeface="Cascadia Mono" panose="020B0609020000020004" pitchFamily="49" charset="0"/>
+              </a:rPr>
+              <a:t>ApplicationLifetime</a:t>
+            </a:r>
+            <a:endParaRPr lang="ru-RU" sz="2000" dirty="0" smtClean="0">
+              <a:solidFill>
+                <a:srgbClr val="000000"/>
+              </a:solidFill>
+              <a:highlight>
+                <a:srgbClr val="FFFFFF"/>
+              </a:highlight>
+              <a:latin typeface="Cascadia Mono" panose="020B0609020000020004" pitchFamily="49" charset="0"/>
+            </a:endParaRPr>
+          </a:p>
+          <a:p>
+            <a:r>
+              <a:rPr lang="ru-RU" sz="2000" dirty="0">
+                <a:solidFill>
+                  <a:srgbClr val="000000"/>
+                </a:solidFill>
+                <a:highlight>
+                  <a:srgbClr val="FFFFFF"/>
+                </a:highlight>
+                <a:latin typeface="Cascadia Mono" panose="020B0609020000020004" pitchFamily="49" charset="0"/>
+              </a:rPr>
+              <a:t>	</a:t>
+            </a:r>
+            <a:r>
+              <a:rPr lang="ru-RU" sz="2000" dirty="0" smtClean="0">
+                <a:solidFill>
+                  <a:srgbClr val="000000"/>
+                </a:solidFill>
+                <a:highlight>
+                  <a:srgbClr val="FFFFFF"/>
+                </a:highlight>
+                <a:latin typeface="Cascadia Mono" panose="020B0609020000020004" pitchFamily="49" charset="0"/>
+              </a:rPr>
+              <a:t>					</a:t>
+            </a:r>
+            <a:r>
+              <a:rPr lang="en-US" sz="2000" dirty="0" smtClean="0">
+                <a:solidFill>
+                  <a:srgbClr val="0000FF"/>
+                </a:solidFill>
+                <a:highlight>
+                  <a:srgbClr val="FFFFFF"/>
+                </a:highlight>
+                <a:latin typeface="Cascadia Mono" panose="020B0609020000020004" pitchFamily="49" charset="0"/>
+              </a:rPr>
+              <a:t>as</a:t>
+            </a:r>
+            <a:r>
+              <a:rPr lang="en-US" sz="2000" dirty="0" smtClean="0">
+                <a:solidFill>
+                  <a:srgbClr val="000000"/>
+                </a:solidFill>
+                <a:highlight>
+                  <a:srgbClr val="FFFFFF"/>
+                </a:highlight>
+                <a:latin typeface="Cascadia Mono" panose="020B0609020000020004" pitchFamily="49" charset="0"/>
+              </a:rPr>
+              <a:t> </a:t>
+            </a:r>
+            <a:r>
+              <a:rPr lang="en-US" sz="2000" dirty="0" err="1">
+                <a:solidFill>
+                  <a:srgbClr val="2B91AF"/>
+                </a:solidFill>
+                <a:highlight>
+                  <a:srgbClr val="FFFFFF"/>
+                </a:highlight>
+                <a:latin typeface="Cascadia Mono" panose="020B0609020000020004" pitchFamily="49" charset="0"/>
+              </a:rPr>
+              <a:t>IClassicDesktopStyleApplicationLifetime</a:t>
+            </a:r>
+            <a:r>
+              <a:rPr lang="en-US" sz="2000" dirty="0">
+                <a:solidFill>
+                  <a:srgbClr val="000000"/>
+                </a:solidFill>
+                <a:highlight>
+                  <a:srgbClr val="FFFFFF"/>
+                </a:highlight>
+                <a:latin typeface="Cascadia Mono" panose="020B0609020000020004" pitchFamily="49" charset="0"/>
+              </a:rPr>
+              <a:t>;</a:t>
+            </a:r>
+          </a:p>
+          <a:p>
+            <a:endParaRPr lang="ru-RU" sz="2000" dirty="0">
+              <a:solidFill>
+                <a:srgbClr val="000000"/>
+              </a:solidFill>
+              <a:highlight>
+                <a:srgbClr val="FFFFFF"/>
+              </a:highlight>
+              <a:latin typeface="Cascadia Mono" panose="020B0609020000020004" pitchFamily="49" charset="0"/>
+            </a:endParaRPr>
+          </a:p>
+          <a:p>
+            <a:r>
+              <a:rPr lang="ru-RU" sz="2000" dirty="0" smtClean="0">
+                <a:solidFill>
+                  <a:srgbClr val="0000FF"/>
+                </a:solidFill>
+                <a:highlight>
+                  <a:srgbClr val="FFFFFF"/>
+                </a:highlight>
+                <a:latin typeface="Cascadia Mono" panose="020B0609020000020004" pitchFamily="49" charset="0"/>
+              </a:rPr>
+              <a:t>	</a:t>
+            </a:r>
+            <a:r>
+              <a:rPr lang="en-US" sz="2000" dirty="0" smtClean="0">
+                <a:solidFill>
+                  <a:srgbClr val="0000FF"/>
+                </a:solidFill>
+                <a:highlight>
+                  <a:srgbClr val="FFFFFF"/>
+                </a:highlight>
+                <a:latin typeface="Cascadia Mono" panose="020B0609020000020004" pitchFamily="49" charset="0"/>
+              </a:rPr>
+              <a:t>if</a:t>
+            </a:r>
+            <a:r>
+              <a:rPr lang="en-US" sz="2000" dirty="0" smtClean="0">
+                <a:solidFill>
+                  <a:srgbClr val="000000"/>
+                </a:solidFill>
+                <a:highlight>
+                  <a:srgbClr val="FFFFFF"/>
+                </a:highlight>
+                <a:latin typeface="Cascadia Mono" panose="020B0609020000020004" pitchFamily="49" charset="0"/>
+              </a:rPr>
+              <a:t> </a:t>
+            </a:r>
+            <a:r>
+              <a:rPr lang="en-US" sz="2000" dirty="0">
+                <a:solidFill>
+                  <a:srgbClr val="000000"/>
+                </a:solidFill>
+                <a:highlight>
+                  <a:srgbClr val="FFFFFF"/>
+                </a:highlight>
+                <a:latin typeface="Cascadia Mono" panose="020B0609020000020004" pitchFamily="49" charset="0"/>
+              </a:rPr>
+              <a:t>(parent == </a:t>
+            </a:r>
+            <a:r>
+              <a:rPr lang="en-US" sz="2000" dirty="0">
+                <a:solidFill>
+                  <a:srgbClr val="0000FF"/>
+                </a:solidFill>
+                <a:highlight>
+                  <a:srgbClr val="FFFFFF"/>
+                </a:highlight>
+                <a:latin typeface="Cascadia Mono" panose="020B0609020000020004" pitchFamily="49" charset="0"/>
+              </a:rPr>
+              <a:t>null</a:t>
+            </a:r>
+            <a:r>
+              <a:rPr lang="en-US" sz="2000" dirty="0">
+                <a:solidFill>
+                  <a:srgbClr val="000000"/>
+                </a:solidFill>
+                <a:highlight>
+                  <a:srgbClr val="FFFFFF"/>
+                </a:highlight>
+                <a:latin typeface="Cascadia Mono" panose="020B0609020000020004" pitchFamily="49" charset="0"/>
+              </a:rPr>
+              <a:t> || </a:t>
+            </a:r>
+            <a:r>
+              <a:rPr lang="en-US" sz="2000" dirty="0" err="1">
+                <a:solidFill>
+                  <a:srgbClr val="000000"/>
+                </a:solidFill>
+                <a:highlight>
+                  <a:srgbClr val="FFFFFF"/>
+                </a:highlight>
+                <a:latin typeface="Cascadia Mono" panose="020B0609020000020004" pitchFamily="49" charset="0"/>
+              </a:rPr>
+              <a:t>parent.MainWindow</a:t>
+            </a:r>
+            <a:r>
+              <a:rPr lang="en-US" sz="2000" dirty="0">
+                <a:solidFill>
+                  <a:srgbClr val="000000"/>
+                </a:solidFill>
+                <a:highlight>
+                  <a:srgbClr val="FFFFFF"/>
+                </a:highlight>
+                <a:latin typeface="Cascadia Mono" panose="020B0609020000020004" pitchFamily="49" charset="0"/>
+              </a:rPr>
+              <a:t> == </a:t>
+            </a:r>
+            <a:r>
+              <a:rPr lang="en-US" sz="2000" dirty="0">
+                <a:solidFill>
+                  <a:srgbClr val="0000FF"/>
+                </a:solidFill>
+                <a:highlight>
+                  <a:srgbClr val="FFFFFF"/>
+                </a:highlight>
+                <a:latin typeface="Cascadia Mono" panose="020B0609020000020004" pitchFamily="49" charset="0"/>
+              </a:rPr>
+              <a:t>null</a:t>
+            </a:r>
+            <a:r>
+              <a:rPr lang="en-US" sz="2000" dirty="0">
+                <a:solidFill>
+                  <a:srgbClr val="000000"/>
+                </a:solidFill>
+                <a:highlight>
+                  <a:srgbClr val="FFFFFF"/>
+                </a:highlight>
+                <a:latin typeface="Cascadia Mono" panose="020B0609020000020004" pitchFamily="49" charset="0"/>
+              </a:rPr>
+              <a:t>)</a:t>
+            </a:r>
+          </a:p>
+          <a:p>
+            <a:r>
+              <a:rPr lang="ru-RU" sz="2000" dirty="0" smtClean="0">
+                <a:solidFill>
+                  <a:srgbClr val="0000FF"/>
+                </a:solidFill>
+                <a:highlight>
+                  <a:srgbClr val="FFFFFF"/>
+                </a:highlight>
+                <a:latin typeface="Cascadia Mono" panose="020B0609020000020004" pitchFamily="49" charset="0"/>
+              </a:rPr>
+              <a:t>		</a:t>
+            </a:r>
+            <a:r>
+              <a:rPr lang="ru-RU" sz="2000" dirty="0" err="1" smtClean="0">
+                <a:solidFill>
+                  <a:srgbClr val="0000FF"/>
+                </a:solidFill>
+                <a:highlight>
+                  <a:srgbClr val="FFFFFF"/>
+                </a:highlight>
+                <a:latin typeface="Cascadia Mono" panose="020B0609020000020004" pitchFamily="49" charset="0"/>
+              </a:rPr>
+              <a:t>throw</a:t>
+            </a:r>
+            <a:r>
+              <a:rPr lang="ru-RU" sz="2000" dirty="0" smtClean="0">
+                <a:solidFill>
+                  <a:srgbClr val="000000"/>
+                </a:solidFill>
+                <a:highlight>
+                  <a:srgbClr val="FFFFFF"/>
+                </a:highlight>
+                <a:latin typeface="Cascadia Mono" panose="020B0609020000020004" pitchFamily="49" charset="0"/>
+              </a:rPr>
+              <a:t> </a:t>
+            </a:r>
+            <a:r>
+              <a:rPr lang="ru-RU" sz="2000" dirty="0" err="1">
+                <a:solidFill>
+                  <a:srgbClr val="0000FF"/>
+                </a:solidFill>
+                <a:highlight>
+                  <a:srgbClr val="FFFFFF"/>
+                </a:highlight>
+                <a:latin typeface="Cascadia Mono" panose="020B0609020000020004" pitchFamily="49" charset="0"/>
+              </a:rPr>
+              <a:t>new</a:t>
+            </a:r>
+            <a:r>
+              <a:rPr lang="ru-RU" sz="2000" dirty="0">
+                <a:solidFill>
+                  <a:srgbClr val="000000"/>
+                </a:solidFill>
+                <a:highlight>
+                  <a:srgbClr val="FFFFFF"/>
+                </a:highlight>
+                <a:latin typeface="Cascadia Mono" panose="020B0609020000020004" pitchFamily="49" charset="0"/>
+              </a:rPr>
+              <a:t> </a:t>
+            </a:r>
+            <a:r>
+              <a:rPr lang="ru-RU" sz="2000" dirty="0" err="1">
+                <a:solidFill>
+                  <a:srgbClr val="2B91AF"/>
+                </a:solidFill>
+                <a:highlight>
+                  <a:srgbClr val="FFFFFF"/>
+                </a:highlight>
+                <a:latin typeface="Cascadia Mono" panose="020B0609020000020004" pitchFamily="49" charset="0"/>
+              </a:rPr>
+              <a:t>InvalidOperationException</a:t>
+            </a:r>
+            <a:r>
+              <a:rPr lang="ru-RU" sz="2000" dirty="0" smtClean="0">
+                <a:solidFill>
+                  <a:srgbClr val="000000"/>
+                </a:solidFill>
+                <a:highlight>
+                  <a:srgbClr val="FFFFFF"/>
+                </a:highlight>
+                <a:latin typeface="Cascadia Mono" panose="020B0609020000020004" pitchFamily="49" charset="0"/>
+              </a:rPr>
+              <a:t>(</a:t>
+            </a:r>
+          </a:p>
+          <a:p>
+            <a:r>
+              <a:rPr lang="ru-RU" sz="2000" dirty="0">
+                <a:solidFill>
+                  <a:srgbClr val="000000"/>
+                </a:solidFill>
+                <a:highlight>
+                  <a:srgbClr val="FFFFFF"/>
+                </a:highlight>
+                <a:latin typeface="Cascadia Mono" panose="020B0609020000020004" pitchFamily="49" charset="0"/>
+              </a:rPr>
+              <a:t>	</a:t>
+            </a:r>
+            <a:r>
+              <a:rPr lang="ru-RU" sz="2000" dirty="0" smtClean="0">
+                <a:solidFill>
+                  <a:srgbClr val="000000"/>
+                </a:solidFill>
+                <a:highlight>
+                  <a:srgbClr val="FFFFFF"/>
+                </a:highlight>
+                <a:latin typeface="Cascadia Mono" panose="020B0609020000020004" pitchFamily="49" charset="0"/>
+              </a:rPr>
+              <a:t>			</a:t>
+            </a:r>
+            <a:r>
+              <a:rPr lang="ru-RU" sz="2000" dirty="0" smtClean="0">
+                <a:solidFill>
+                  <a:srgbClr val="A31515"/>
+                </a:solidFill>
+                <a:highlight>
+                  <a:srgbClr val="FFFFFF"/>
+                </a:highlight>
+                <a:latin typeface="Cascadia Mono" panose="020B0609020000020004" pitchFamily="49" charset="0"/>
+              </a:rPr>
+              <a:t>"</a:t>
+            </a:r>
+            <a:r>
+              <a:rPr lang="ru-RU" sz="2000" dirty="0">
+                <a:solidFill>
+                  <a:srgbClr val="A31515"/>
+                </a:solidFill>
+                <a:highlight>
+                  <a:srgbClr val="FFFFFF"/>
+                </a:highlight>
+                <a:latin typeface="Cascadia Mono" panose="020B0609020000020004" pitchFamily="49" charset="0"/>
+              </a:rPr>
+              <a:t>Невозможно определить родительское окно"</a:t>
+            </a:r>
+            <a:r>
+              <a:rPr lang="ru-RU" sz="2000" dirty="0">
+                <a:solidFill>
+                  <a:srgbClr val="000000"/>
+                </a:solidFill>
+                <a:highlight>
+                  <a:srgbClr val="FFFFFF"/>
+                </a:highlight>
+                <a:latin typeface="Cascadia Mono" panose="020B0609020000020004" pitchFamily="49" charset="0"/>
+              </a:rPr>
+              <a:t>);</a:t>
+            </a:r>
+          </a:p>
+          <a:p>
+            <a:endParaRPr lang="ru-RU" sz="2000" dirty="0">
+              <a:solidFill>
+                <a:srgbClr val="000000"/>
+              </a:solidFill>
+              <a:highlight>
+                <a:srgbClr val="FFFFFF"/>
+              </a:highlight>
+              <a:latin typeface="Cascadia Mono" panose="020B0609020000020004" pitchFamily="49" charset="0"/>
+            </a:endParaRPr>
+          </a:p>
+          <a:p>
+            <a:r>
+              <a:rPr lang="ru-RU" sz="2000" dirty="0" smtClean="0">
+                <a:solidFill>
+                  <a:srgbClr val="000000"/>
+                </a:solidFill>
+                <a:highlight>
+                  <a:srgbClr val="FFFFFF"/>
+                </a:highlight>
+                <a:latin typeface="Cascadia Mono" panose="020B0609020000020004" pitchFamily="49" charset="0"/>
+              </a:rPr>
+              <a:t>	</a:t>
+            </a:r>
+            <a:r>
+              <a:rPr lang="en-US" sz="2000" dirty="0" err="1" smtClean="0">
+                <a:solidFill>
+                  <a:srgbClr val="000000"/>
+                </a:solidFill>
+                <a:highlight>
+                  <a:srgbClr val="FFFFFF"/>
+                </a:highlight>
+                <a:latin typeface="Cascadia Mono" panose="020B0609020000020004" pitchFamily="49" charset="0"/>
+              </a:rPr>
+              <a:t>view.ShowDialog</a:t>
+            </a:r>
+            <a:r>
+              <a:rPr lang="en-US" sz="2000" dirty="0" smtClean="0">
+                <a:solidFill>
+                  <a:srgbClr val="000000"/>
+                </a:solidFill>
+                <a:highlight>
+                  <a:srgbClr val="FFFFFF"/>
+                </a:highlight>
+                <a:latin typeface="Cascadia Mono" panose="020B0609020000020004" pitchFamily="49" charset="0"/>
+              </a:rPr>
+              <a:t>(</a:t>
+            </a:r>
+            <a:r>
+              <a:rPr lang="en-US" sz="2000" dirty="0" err="1" smtClean="0">
+                <a:solidFill>
+                  <a:srgbClr val="000000"/>
+                </a:solidFill>
+                <a:highlight>
+                  <a:srgbClr val="FFFFFF"/>
+                </a:highlight>
+                <a:latin typeface="Cascadia Mono" panose="020B0609020000020004" pitchFamily="49" charset="0"/>
+              </a:rPr>
+              <a:t>parent.MainWindow</a:t>
+            </a:r>
+            <a:r>
+              <a:rPr lang="en-US" sz="2000" dirty="0">
+                <a:solidFill>
+                  <a:srgbClr val="000000"/>
+                </a:solidFill>
+                <a:highlight>
+                  <a:srgbClr val="FFFFFF"/>
+                </a:highlight>
+                <a:latin typeface="Cascadia Mono" panose="020B0609020000020004" pitchFamily="49" charset="0"/>
+              </a:rPr>
+              <a:t>);</a:t>
+            </a:r>
+          </a:p>
+          <a:p>
+            <a:r>
+              <a:rPr lang="ru-RU" sz="2000" dirty="0" smtClean="0">
+                <a:solidFill>
+                  <a:srgbClr val="000000"/>
+                </a:solidFill>
+                <a:highlight>
+                  <a:srgbClr val="FFFFFF"/>
+                </a:highlight>
+                <a:latin typeface="Cascadia Mono" panose="020B0609020000020004" pitchFamily="49" charset="0"/>
+              </a:rPr>
+              <a:t>}</a:t>
+            </a:r>
+            <a:endParaRPr lang="ru-RU" sz="2000" dirty="0">
+              <a:latin typeface="Bookman Old Style" panose="02050604050505020204" pitchFamily="18" charset="0"/>
+            </a:endParaRPr>
+          </a:p>
+        </p:txBody>
+      </p:sp>
+    </p:spTree>
+    <p:extLst>
+      <p:ext uri="{BB962C8B-B14F-4D97-AF65-F5344CB8AC3E}">
+        <p14:creationId xmlns:p14="http://schemas.microsoft.com/office/powerpoint/2010/main" val="1547648408"/>
       </p:ext>
     </p:extLst>
   </p:cSld>

--- a/Лекции/ИТиП 3 лек 9.pptx
+++ b/Лекции/ИТиП 3 лек 9.pptx
@@ -263,7 +263,7 @@
             <a:fld id="{AA2F9473-F066-431E-A6E8-1D478C995A6B}" type="datetimeFigureOut">
               <a:rPr lang="en-US" smtClean="0"/>
               <a:pPr/>
-              <a:t>11/5/2025</a:t>
+              <a:t>11/10/2025</a:t>
             </a:fld>
             <a:endParaRPr lang="en-US"/>
           </a:p>
@@ -4289,7 +4289,7 @@
           <p:cNvPr id="9" name="Номер слайда 3">
             <a:extLst>
               <a:ext uri="{FF2B5EF4-FFF2-40B4-BE49-F238E27FC236}">
-                <a16:creationId xmlns:a16="http://schemas.microsoft.com/office/drawing/2014/main" xmlns="" id="{3DF48714-7FE4-4364-BF9D-28B9C9E2979D}"/>
+                <a16:creationId xmlns:a16="http://schemas.microsoft.com/office/drawing/2014/main" id="{3DF48714-7FE4-4364-BF9D-28B9C9E2979D}"/>
               </a:ext>
             </a:extLst>
           </p:cNvPr>
@@ -4428,7 +4428,7 @@
           <p:cNvPr id="7" name="Номер слайда 3">
             <a:extLst>
               <a:ext uri="{FF2B5EF4-FFF2-40B4-BE49-F238E27FC236}">
-                <a16:creationId xmlns:a16="http://schemas.microsoft.com/office/drawing/2014/main" xmlns="" id="{3DF48714-7FE4-4364-BF9D-28B9C9E2979D}"/>
+                <a16:creationId xmlns:a16="http://schemas.microsoft.com/office/drawing/2014/main" id="{3DF48714-7FE4-4364-BF9D-28B9C9E2979D}"/>
               </a:ext>
             </a:extLst>
           </p:cNvPr>
@@ -4710,7 +4710,7 @@
           <p:cNvPr id="9" name="Номер слайда 3">
             <a:extLst>
               <a:ext uri="{FF2B5EF4-FFF2-40B4-BE49-F238E27FC236}">
-                <a16:creationId xmlns:a16="http://schemas.microsoft.com/office/drawing/2014/main" xmlns="" id="{3DF48714-7FE4-4364-BF9D-28B9C9E2979D}"/>
+                <a16:creationId xmlns:a16="http://schemas.microsoft.com/office/drawing/2014/main" id="{3DF48714-7FE4-4364-BF9D-28B9C9E2979D}"/>
               </a:ext>
             </a:extLst>
           </p:cNvPr>
@@ -5168,7 +5168,7 @@
           <p:cNvPr id="17" name="Заголовок 16">
             <a:extLst>
               <a:ext uri="{FF2B5EF4-FFF2-40B4-BE49-F238E27FC236}">
-                <a16:creationId xmlns:a16="http://schemas.microsoft.com/office/drawing/2014/main" xmlns="" id="{D630362D-1F09-46B4-9DE4-AEA483AC82FD}"/>
+                <a16:creationId xmlns:a16="http://schemas.microsoft.com/office/drawing/2014/main" id="{D630362D-1F09-46B4-9DE4-AEA483AC82FD}"/>
               </a:ext>
             </a:extLst>
           </p:cNvPr>
@@ -5331,7 +5331,7 @@
           <p:cNvPr id="12" name="TextBox 11">
             <a:extLst>
               <a:ext uri="{FF2B5EF4-FFF2-40B4-BE49-F238E27FC236}">
-                <a16:creationId xmlns:a16="http://schemas.microsoft.com/office/drawing/2014/main" xmlns="" id="{F7B00361-5492-4290-B470-295172C16526}"/>
+                <a16:creationId xmlns:a16="http://schemas.microsoft.com/office/drawing/2014/main" id="{F7B00361-5492-4290-B470-295172C16526}"/>
               </a:ext>
             </a:extLst>
           </p:cNvPr>
@@ -14505,13 +14505,7 @@
               <a:rPr lang="ru-RU" sz="2400" b="1" dirty="0" smtClean="0">
                 <a:latin typeface="Bookman Old Style" panose="02050604050505020204" pitchFamily="18" charset="0"/>
               </a:rPr>
-              <a:t>Год </a:t>
-            </a:r>
-            <a:r>
-              <a:rPr lang="ru-RU" sz="2400" b="1" dirty="0">
-                <a:latin typeface="Bookman Old Style" panose="02050604050505020204" pitchFamily="18" charset="0"/>
-              </a:rPr>
-              <a:t>рождения: </a:t>
+              <a:t>Год появления: </a:t>
             </a:r>
             <a:r>
               <a:rPr lang="ru-RU" sz="2400" dirty="0">
@@ -28955,13 +28949,7 @@
               <a:rPr lang="ru-RU" sz="2400" dirty="0" smtClean="0">
                 <a:latin typeface="Bookman Old Style" panose="02050604050505020204" pitchFamily="18" charset="0"/>
               </a:rPr>
-              <a:t>Создадим команду для </a:t>
-            </a:r>
-            <a:r>
-              <a:rPr lang="ru-RU" sz="2400" smtClean="0">
-                <a:latin typeface="Bookman Old Style" panose="02050604050505020204" pitchFamily="18" charset="0"/>
-              </a:rPr>
-              <a:t>открытия окна.</a:t>
+              <a:t>Создадим команду для открытия окна.</a:t>
             </a:r>
           </a:p>
           <a:p>
@@ -29127,19 +29115,7 @@
               </a:lnSpc>
             </a:pPr>
             <a:r>
-              <a:rPr lang="en-US" sz="2400" dirty="0">
-                <a:solidFill>
-                  <a:srgbClr val="000000"/>
-                </a:solidFill>
-                <a:highlight>
-                  <a:srgbClr val="FFFFFF"/>
-                </a:highlight>
-                <a:latin typeface="Cascadia Mono" panose="020B0609020000020004" pitchFamily="49" charset="0"/>
-              </a:rPr>
-              <a:t> </a:t>
-            </a:r>
-            <a:r>
-              <a:rPr lang="en-US" sz="2400" dirty="0">
+              <a:rPr lang="en-US" sz="2400" dirty="0" smtClean="0">
                 <a:solidFill>
                   <a:srgbClr val="0000FF"/>
                 </a:solidFill>
@@ -29151,7 +29127,7 @@
               <a:t>public</a:t>
             </a:r>
             <a:r>
-              <a:rPr lang="en-US" sz="2400" dirty="0">
+              <a:rPr lang="en-US" sz="2400" dirty="0" smtClean="0">
                 <a:solidFill>
                   <a:srgbClr val="000000"/>
                 </a:solidFill>
@@ -29792,8 +29768,11 @@
               <a:rPr lang="ru-RU" sz="2400" dirty="0" smtClean="0">
                 <a:latin typeface="Bookman Old Style" panose="02050604050505020204" pitchFamily="18" charset="0"/>
               </a:rPr>
-              <a:t>Добавим в конструктор строку:</a:t>
-            </a:r>
+              <a:t>Метод открытия окна:</a:t>
+            </a:r>
+            <a:endParaRPr lang="ru-RU" sz="2400" dirty="0" smtClean="0">
+              <a:latin typeface="Bookman Old Style" panose="02050604050505020204" pitchFamily="18" charset="0"/>
+            </a:endParaRPr>
           </a:p>
           <a:p>
             <a:pPr algn="just">
